--- a/我的毕设/20162430211-李伟-毕业答辩.pptx
+++ b/我的毕设/20162430211-李伟-毕业答辩.pptx
@@ -5,7 +5,7 @@
     <p:sldMasterId id="2147483648" r:id="rId1"/>
   </p:sldMasterIdLst>
   <p:notesMasterIdLst>
-    <p:notesMasterId r:id="rId24"/>
+    <p:notesMasterId r:id="rId25"/>
   </p:notesMasterIdLst>
   <p:sldIdLst>
     <p:sldId id="322" r:id="rId2"/>
@@ -25,16 +25,17 @@
     <p:sldId id="334" r:id="rId16"/>
     <p:sldId id="336" r:id="rId17"/>
     <p:sldId id="324" r:id="rId18"/>
-    <p:sldId id="315" r:id="rId19"/>
-    <p:sldId id="337" r:id="rId20"/>
-    <p:sldId id="338" r:id="rId21"/>
-    <p:sldId id="339" r:id="rId22"/>
-    <p:sldId id="329" r:id="rId23"/>
+    <p:sldId id="340" r:id="rId19"/>
+    <p:sldId id="315" r:id="rId20"/>
+    <p:sldId id="337" r:id="rId21"/>
+    <p:sldId id="338" r:id="rId22"/>
+    <p:sldId id="339" r:id="rId23"/>
+    <p:sldId id="329" r:id="rId24"/>
   </p:sldIdLst>
   <p:sldSz cx="12192000" cy="6858000"/>
   <p:notesSz cx="6858000" cy="9144000"/>
   <p:custDataLst>
-    <p:tags r:id="rId25"/>
+    <p:tags r:id="rId26"/>
   </p:custDataLst>
   <p:defaultTextStyle>
     <a:defPPr>
@@ -232,7 +233,7 @@
           <a:p>
             <a:fld id="{5F541E46-6EB0-44B2-82B5-86F15F8B6D9E}" type="datetimeFigureOut">
               <a:rPr lang="zh-CN" altLang="en-US" smtClean="0"/>
-              <a:t>2020/6/9</a:t>
+              <a:t>2020/6/10</a:t>
             </a:fld>
             <a:endParaRPr lang="zh-CN" altLang="en-US"/>
           </a:p>
@@ -1205,7 +1206,7 @@
           <a:bodyPr/>
           <a:lstStyle/>
           <a:p>
-            <a:endParaRPr lang="zh-CN" altLang="en-US"/>
+            <a:endParaRPr lang="zh-CN" altLang="en-US" dirty="0"/>
           </a:p>
         </p:txBody>
       </p:sp>
@@ -1403,7 +1404,7 @@
     </p:spTree>
     <p:extLst>
       <p:ext uri="{BB962C8B-B14F-4D97-AF65-F5344CB8AC3E}">
-        <p14:creationId xmlns:p14="http://schemas.microsoft.com/office/powerpoint/2010/main" val="1618202445"/>
+        <p14:creationId xmlns:p14="http://schemas.microsoft.com/office/powerpoint/2010/main" val="1905578778"/>
       </p:ext>
     </p:extLst>
   </p:cSld>
@@ -1487,7 +1488,7 @@
     </p:spTree>
     <p:extLst>
       <p:ext uri="{BB962C8B-B14F-4D97-AF65-F5344CB8AC3E}">
-        <p14:creationId xmlns:p14="http://schemas.microsoft.com/office/powerpoint/2010/main" val="2355306521"/>
+        <p14:creationId xmlns:p14="http://schemas.microsoft.com/office/powerpoint/2010/main" val="1618202445"/>
       </p:ext>
     </p:extLst>
   </p:cSld>
@@ -1682,7 +1683,7 @@
           <a:bodyPr/>
           <a:lstStyle/>
           <a:p>
-            <a:fld id="{D56F5BE6-F7C7-41E3-9584-D4ED6DE056FE}" type="slidenum">
+            <a:fld id="{8A036312-6A05-4643-B813-780AEBCA5446}" type="slidenum">
               <a:rPr lang="zh-CN" altLang="en-US" smtClean="0"/>
               <a:t>20</a:t>
             </a:fld>
@@ -1693,7 +1694,7 @@
     </p:spTree>
     <p:extLst>
       <p:ext uri="{BB962C8B-B14F-4D97-AF65-F5344CB8AC3E}">
-        <p14:creationId xmlns:p14="http://schemas.microsoft.com/office/powerpoint/2010/main" val="2565809700"/>
+        <p14:creationId xmlns:p14="http://schemas.microsoft.com/office/powerpoint/2010/main" val="2355306521"/>
       </p:ext>
     </p:extLst>
   </p:cSld>
@@ -1766,7 +1767,7 @@
           <a:bodyPr/>
           <a:lstStyle/>
           <a:p>
-            <a:fld id="{8A036312-6A05-4643-B813-780AEBCA5446}" type="slidenum">
+            <a:fld id="{D56F5BE6-F7C7-41E3-9584-D4ED6DE056FE}" type="slidenum">
               <a:rPr lang="zh-CN" altLang="en-US" smtClean="0"/>
               <a:t>21</a:t>
             </a:fld>
@@ -1777,7 +1778,7 @@
     </p:spTree>
     <p:extLst>
       <p:ext uri="{BB962C8B-B14F-4D97-AF65-F5344CB8AC3E}">
-        <p14:creationId xmlns:p14="http://schemas.microsoft.com/office/powerpoint/2010/main" val="742706106"/>
+        <p14:creationId xmlns:p14="http://schemas.microsoft.com/office/powerpoint/2010/main" val="2565809700"/>
       </p:ext>
     </p:extLst>
   </p:cSld>
@@ -1850,9 +1851,93 @@
           <a:bodyPr/>
           <a:lstStyle/>
           <a:p>
+            <a:fld id="{8A036312-6A05-4643-B813-780AEBCA5446}" type="slidenum">
+              <a:rPr lang="zh-CN" altLang="en-US" smtClean="0"/>
+              <a:t>22</a:t>
+            </a:fld>
+            <a:endParaRPr lang="zh-CN" altLang="en-US"/>
+          </a:p>
+        </p:txBody>
+      </p:sp>
+    </p:spTree>
+    <p:extLst>
+      <p:ext uri="{BB962C8B-B14F-4D97-AF65-F5344CB8AC3E}">
+        <p14:creationId xmlns:p14="http://schemas.microsoft.com/office/powerpoint/2010/main" val="742706106"/>
+      </p:ext>
+    </p:extLst>
+  </p:cSld>
+  <p:clrMapOvr>
+    <a:masterClrMapping/>
+  </p:clrMapOvr>
+</p:notes>
+</file>
+
+<file path=ppt/notesSlides/notesSlide23.xml><?xml version="1.0" encoding="utf-8"?>
+<p:notes xmlns:a="http://schemas.openxmlformats.org/drawingml/2006/main" xmlns:r="http://schemas.openxmlformats.org/officeDocument/2006/relationships" xmlns:p="http://schemas.openxmlformats.org/presentationml/2006/main">
+  <p:cSld>
+    <p:spTree>
+      <p:nvGrpSpPr>
+        <p:cNvPr id="1" name=""/>
+        <p:cNvGrpSpPr/>
+        <p:nvPr/>
+      </p:nvGrpSpPr>
+      <p:grpSpPr>
+        <a:xfrm>
+          <a:off x="0" y="0"/>
+          <a:ext cx="0" cy="0"/>
+          <a:chOff x="0" y="0"/>
+          <a:chExt cx="0" cy="0"/>
+        </a:xfrm>
+      </p:grpSpPr>
+      <p:sp>
+        <p:nvSpPr>
+          <p:cNvPr id="2" name="幻灯片图像占位符 1"/>
+          <p:cNvSpPr>
+            <a:spLocks noGrp="1" noRot="1" noChangeAspect="1"/>
+          </p:cNvSpPr>
+          <p:nvPr>
+            <p:ph type="sldImg"/>
+          </p:nvPr>
+        </p:nvSpPr>
+        <p:spPr/>
+      </p:sp>
+      <p:sp>
+        <p:nvSpPr>
+          <p:cNvPr id="3" name="备注占位符 2"/>
+          <p:cNvSpPr>
+            <a:spLocks noGrp="1"/>
+          </p:cNvSpPr>
+          <p:nvPr>
+            <p:ph type="body" idx="1"/>
+          </p:nvPr>
+        </p:nvSpPr>
+        <p:spPr/>
+        <p:txBody>
+          <a:bodyPr/>
+          <a:lstStyle/>
+          <a:p>
+            <a:endParaRPr lang="zh-CN" altLang="en-US"/>
+          </a:p>
+        </p:txBody>
+      </p:sp>
+      <p:sp>
+        <p:nvSpPr>
+          <p:cNvPr id="4" name="灯片编号占位符 3"/>
+          <p:cNvSpPr>
+            <a:spLocks noGrp="1"/>
+          </p:cNvSpPr>
+          <p:nvPr>
+            <p:ph type="sldNum" sz="quarter" idx="10"/>
+          </p:nvPr>
+        </p:nvSpPr>
+        <p:spPr/>
+        <p:txBody>
+          <a:bodyPr/>
+          <a:lstStyle/>
+          <a:p>
             <a:fld id="{D56F5BE6-F7C7-41E3-9584-D4ED6DE056FE}" type="slidenum">
               <a:rPr lang="zh-CN" altLang="en-US" smtClean="0"/>
-              <a:t>22</a:t>
+              <a:t>23</a:t>
             </a:fld>
             <a:endParaRPr lang="zh-CN" altLang="en-US"/>
           </a:p>
@@ -3069,6 +3154,124 @@
                 <a:cs typeface="+mn-cs"/>
               </a:rPr>
               <a:t>项目的耦合性</a:t>
+            </a:r>
+            <a:endParaRPr lang="en-US" altLang="zh-CN" sz="1200" kern="1200" dirty="0">
+              <a:solidFill>
+                <a:schemeClr val="tx1"/>
+              </a:solidFill>
+              <a:effectLst/>
+              <a:latin typeface="+mn-lt"/>
+              <a:ea typeface="+mn-ea"/>
+              <a:cs typeface="+mn-cs"/>
+            </a:endParaRPr>
+          </a:p>
+          <a:p>
+            <a:endParaRPr lang="en-US" altLang="zh-CN" sz="1200" kern="1200" dirty="0">
+              <a:solidFill>
+                <a:schemeClr val="tx1"/>
+              </a:solidFill>
+              <a:effectLst/>
+              <a:latin typeface="+mn-lt"/>
+              <a:ea typeface="+mn-ea"/>
+              <a:cs typeface="+mn-cs"/>
+            </a:endParaRPr>
+          </a:p>
+          <a:p>
+            <a:r>
+              <a:rPr lang="en-US" altLang="zh-CN" sz="1200" kern="1200" dirty="0">
+                <a:solidFill>
+                  <a:schemeClr val="tx1"/>
+                </a:solidFill>
+                <a:effectLst/>
+                <a:latin typeface="+mn-lt"/>
+                <a:ea typeface="+mn-ea"/>
+                <a:cs typeface="+mn-cs"/>
+              </a:rPr>
+              <a:t>QMUI Android </a:t>
+            </a:r>
+            <a:r>
+              <a:rPr lang="zh-CN" altLang="en-US" sz="1200" kern="1200" dirty="0">
+                <a:solidFill>
+                  <a:schemeClr val="tx1"/>
+                </a:solidFill>
+                <a:effectLst/>
+                <a:latin typeface="+mn-lt"/>
+                <a:ea typeface="+mn-ea"/>
+                <a:cs typeface="+mn-cs"/>
+              </a:rPr>
+              <a:t>是腾讯开源的</a:t>
+            </a:r>
+            <a:r>
+              <a:rPr lang="en-US" altLang="zh-CN" sz="1200" kern="1200" dirty="0">
+                <a:solidFill>
+                  <a:schemeClr val="tx1"/>
+                </a:solidFill>
+                <a:effectLst/>
+                <a:latin typeface="+mn-lt"/>
+                <a:ea typeface="+mn-ea"/>
+                <a:cs typeface="+mn-cs"/>
+              </a:rPr>
+              <a:t> Android </a:t>
+            </a:r>
+            <a:r>
+              <a:rPr lang="zh-CN" altLang="en-US" sz="1200" kern="1200" dirty="0">
+                <a:solidFill>
+                  <a:schemeClr val="tx1"/>
+                </a:solidFill>
+                <a:effectLst/>
+                <a:latin typeface="+mn-lt"/>
+                <a:ea typeface="+mn-ea"/>
+                <a:cs typeface="+mn-cs"/>
+              </a:rPr>
+              <a:t>的前端框架，提供了一些</a:t>
+            </a:r>
+            <a:r>
+              <a:rPr lang="en-US" altLang="zh-CN" sz="1200" kern="1200" dirty="0">
+                <a:solidFill>
+                  <a:schemeClr val="tx1"/>
+                </a:solidFill>
+                <a:effectLst/>
+                <a:latin typeface="+mn-lt"/>
+                <a:ea typeface="+mn-ea"/>
+                <a:cs typeface="+mn-cs"/>
+              </a:rPr>
+              <a:t>Android </a:t>
+            </a:r>
+            <a:r>
+              <a:rPr lang="en-US" altLang="zh-CN" sz="1200" kern="1200" dirty="0" err="1">
+                <a:solidFill>
+                  <a:schemeClr val="tx1"/>
+                </a:solidFill>
+                <a:effectLst/>
+                <a:latin typeface="+mn-lt"/>
+                <a:ea typeface="+mn-ea"/>
+                <a:cs typeface="+mn-cs"/>
+              </a:rPr>
+              <a:t>ui</a:t>
+            </a:r>
+            <a:r>
+              <a:rPr lang="en-US" altLang="zh-CN" sz="1200" kern="1200" dirty="0">
+                <a:solidFill>
+                  <a:schemeClr val="tx1"/>
+                </a:solidFill>
+                <a:effectLst/>
+                <a:latin typeface="+mn-lt"/>
+                <a:ea typeface="+mn-ea"/>
+                <a:cs typeface="+mn-cs"/>
+              </a:rPr>
+              <a:t> </a:t>
+            </a:r>
+            <a:r>
+              <a:rPr lang="zh-CN" altLang="en-US" sz="1200" kern="1200" dirty="0">
+                <a:solidFill>
+                  <a:schemeClr val="tx1"/>
+                </a:solidFill>
+                <a:effectLst/>
+                <a:latin typeface="+mn-lt"/>
+                <a:ea typeface="+mn-ea"/>
+                <a:cs typeface="+mn-cs"/>
+              </a:rPr>
+              <a:t>控件，比如 对话框，消息提示框、下拉刷新等。</a:t>
             </a:r>
             <a:endParaRPr lang="en-US" altLang="zh-CN" sz="1200" kern="1200" dirty="0">
               <a:solidFill>
@@ -3515,7 +3718,7 @@
           <a:p>
             <a:fld id="{46370D86-9754-4443-9CA0-396C6AD3AAF3}" type="datetimeFigureOut">
               <a:rPr lang="zh-CN" altLang="en-US" smtClean="0"/>
-              <a:t>2020/6/9</a:t>
+              <a:t>2020/6/10</a:t>
             </a:fld>
             <a:endParaRPr lang="zh-CN" altLang="en-US"/>
           </a:p>
@@ -3693,7 +3896,7 @@
           <a:p>
             <a:fld id="{46370D86-9754-4443-9CA0-396C6AD3AAF3}" type="datetimeFigureOut">
               <a:rPr lang="zh-CN" altLang="en-US" smtClean="0"/>
-              <a:t>2020/6/9</a:t>
+              <a:t>2020/6/10</a:t>
             </a:fld>
             <a:endParaRPr lang="zh-CN" altLang="en-US"/>
           </a:p>
@@ -3861,7 +4064,7 @@
           <a:p>
             <a:fld id="{46370D86-9754-4443-9CA0-396C6AD3AAF3}" type="datetimeFigureOut">
               <a:rPr lang="zh-CN" altLang="en-US" smtClean="0"/>
-              <a:t>2020/6/9</a:t>
+              <a:t>2020/6/10</a:t>
             </a:fld>
             <a:endParaRPr lang="zh-CN" altLang="en-US"/>
           </a:p>
@@ -4106,7 +4309,7 @@
           <a:p>
             <a:fld id="{46370D86-9754-4443-9CA0-396C6AD3AAF3}" type="datetimeFigureOut">
               <a:rPr lang="zh-CN" altLang="en-US" smtClean="0"/>
-              <a:t>2020/6/9</a:t>
+              <a:t>2020/6/10</a:t>
             </a:fld>
             <a:endParaRPr lang="zh-CN" altLang="en-US"/>
           </a:p>
@@ -4335,7 +4538,7 @@
           <a:p>
             <a:fld id="{46370D86-9754-4443-9CA0-396C6AD3AAF3}" type="datetimeFigureOut">
               <a:rPr lang="zh-CN" altLang="en-US" smtClean="0"/>
-              <a:t>2020/6/9</a:t>
+              <a:t>2020/6/10</a:t>
             </a:fld>
             <a:endParaRPr lang="zh-CN" altLang="en-US"/>
           </a:p>
@@ -4699,7 +4902,7 @@
           <a:p>
             <a:fld id="{46370D86-9754-4443-9CA0-396C6AD3AAF3}" type="datetimeFigureOut">
               <a:rPr lang="zh-CN" altLang="en-US" smtClean="0"/>
-              <a:t>2020/6/9</a:t>
+              <a:t>2020/6/10</a:t>
             </a:fld>
             <a:endParaRPr lang="zh-CN" altLang="en-US"/>
           </a:p>
@@ -5737,7 +5940,7 @@
           <a:p>
             <a:fld id="{46370D86-9754-4443-9CA0-396C6AD3AAF3}" type="datetimeFigureOut">
               <a:rPr lang="zh-CN" altLang="en-US" smtClean="0"/>
-              <a:t>2020/6/9</a:t>
+              <a:t>2020/6/10</a:t>
             </a:fld>
             <a:endParaRPr lang="zh-CN" altLang="en-US"/>
           </a:p>
@@ -5832,7 +6035,7 @@
           <a:p>
             <a:fld id="{46370D86-9754-4443-9CA0-396C6AD3AAF3}" type="datetimeFigureOut">
               <a:rPr lang="zh-CN" altLang="en-US" smtClean="0"/>
-              <a:t>2020/6/9</a:t>
+              <a:t>2020/6/10</a:t>
             </a:fld>
             <a:endParaRPr lang="zh-CN" altLang="en-US"/>
           </a:p>
@@ -6107,7 +6310,7 @@
           <a:p>
             <a:fld id="{46370D86-9754-4443-9CA0-396C6AD3AAF3}" type="datetimeFigureOut">
               <a:rPr lang="zh-CN" altLang="en-US" smtClean="0"/>
-              <a:t>2020/6/9</a:t>
+              <a:t>2020/6/10</a:t>
             </a:fld>
             <a:endParaRPr lang="zh-CN" altLang="en-US"/>
           </a:p>
@@ -6359,7 +6562,7 @@
           <a:p>
             <a:fld id="{46370D86-9754-4443-9CA0-396C6AD3AAF3}" type="datetimeFigureOut">
               <a:rPr lang="zh-CN" altLang="en-US" smtClean="0"/>
-              <a:t>2020/6/9</a:t>
+              <a:t>2020/6/10</a:t>
             </a:fld>
             <a:endParaRPr lang="zh-CN" altLang="en-US"/>
           </a:p>
@@ -6573,7 +6776,7 @@
           <a:p>
             <a:fld id="{46370D86-9754-4443-9CA0-396C6AD3AAF3}" type="datetimeFigureOut">
               <a:rPr lang="zh-CN" altLang="en-US" smtClean="0"/>
-              <a:t>2020/6/9</a:t>
+              <a:t>2020/6/10</a:t>
             </a:fld>
             <a:endParaRPr lang="zh-CN" altLang="en-US"/>
           </a:p>
@@ -12726,7 +12929,7 @@
           <a:lstStyle/>
           <a:p>
             <a:r>
-              <a:rPr lang="zh-CN" altLang="en-US" sz="2667" dirty="0">
+              <a:rPr lang="zh-CN" altLang="en-US" sz="2667">
                 <a:solidFill>
                   <a:srgbClr val="304860"/>
                 </a:solidFill>
@@ -12735,6 +12938,13 @@
               </a:rPr>
               <a:t>成果展示</a:t>
             </a:r>
+            <a:endParaRPr lang="zh-CN" altLang="en-US" sz="2667" dirty="0">
+              <a:solidFill>
+                <a:srgbClr val="304860"/>
+              </a:solidFill>
+              <a:latin typeface="微软雅黑" pitchFamily="34" charset="-122"/>
+              <a:ea typeface="微软雅黑" pitchFamily="34" charset="-122"/>
+            </a:endParaRPr>
           </a:p>
         </p:txBody>
       </p:sp>
@@ -12770,7 +12980,7 @@
           <a:p>
             <a:pPr algn="ctr"/>
             <a:r>
-              <a:rPr lang="zh-CN" altLang="en-US" sz="1867" dirty="0">
+              <a:rPr lang="zh-CN" altLang="en-US" sz="1867">
                 <a:solidFill>
                   <a:srgbClr val="00AEEE"/>
                 </a:solidFill>
@@ -12830,14 +13040,16 @@
       </p:pic>
       <p:pic>
         <p:nvPicPr>
-          <p:cNvPr id="21" name="图片 20">
+          <p:cNvPr id="3" name="图片 2" descr="手机屏幕截图&#10;&#10;描述已自动生成">
             <a:extLst>
               <a:ext uri="{FF2B5EF4-FFF2-40B4-BE49-F238E27FC236}">
-                <a16:creationId xmlns:a16="http://schemas.microsoft.com/office/drawing/2014/main" id="{3A75A8C6-1589-4550-B656-D86F6818BE7E}"/>
+                <a16:creationId xmlns:a16="http://schemas.microsoft.com/office/drawing/2014/main" id="{9A39F90E-6644-4729-B209-395684A47385}"/>
               </a:ext>
             </a:extLst>
           </p:cNvPr>
-          <p:cNvPicPr/>
+          <p:cNvPicPr>
+            <a:picLocks noChangeAspect="1"/>
+          </p:cNvPicPr>
           <p:nvPr/>
         </p:nvPicPr>
         <p:blipFill>
@@ -12848,15 +13060,14 @@
               </a:ext>
             </a:extLst>
           </a:blip>
-          <a:srcRect/>
           <a:stretch>
             <a:fillRect/>
           </a:stretch>
         </p:blipFill>
-        <p:spPr bwMode="auto">
+        <p:spPr>
           <a:xfrm>
-            <a:off x="3236668" y="1539240"/>
-            <a:ext cx="1533525" cy="3322320"/>
+            <a:off x="6890452" y="1538760"/>
+            <a:ext cx="1533600" cy="3322800"/>
           </a:xfrm>
           <a:prstGeom prst="rect">
             <a:avLst/>
@@ -12869,14 +13080,16 @@
       </p:pic>
       <p:pic>
         <p:nvPicPr>
-          <p:cNvPr id="22" name="图片 21">
+          <p:cNvPr id="5" name="图片 4" descr="手机截图图社交软件的信息&#10;&#10;描述已自动生成">
             <a:extLst>
               <a:ext uri="{FF2B5EF4-FFF2-40B4-BE49-F238E27FC236}">
-                <a16:creationId xmlns:a16="http://schemas.microsoft.com/office/drawing/2014/main" id="{BDE992F7-3734-40BF-A70F-C4F1FEC8D74A}"/>
+                <a16:creationId xmlns:a16="http://schemas.microsoft.com/office/drawing/2014/main" id="{29D85AE9-3B72-44BF-B80C-5F5E248B2ABA}"/>
               </a:ext>
             </a:extLst>
           </p:cNvPr>
-          <p:cNvPicPr/>
+          <p:cNvPicPr>
+            <a:picLocks noChangeAspect="1"/>
+          </p:cNvPicPr>
           <p:nvPr/>
         </p:nvPicPr>
         <p:blipFill>
@@ -12887,35 +13100,32 @@
               </a:ext>
             </a:extLst>
           </a:blip>
-          <a:srcRect/>
           <a:stretch>
             <a:fillRect/>
           </a:stretch>
         </p:blipFill>
-        <p:spPr bwMode="auto">
+        <p:spPr>
           <a:xfrm>
-            <a:off x="5179768" y="1539240"/>
-            <a:ext cx="1533525" cy="3322320"/>
+            <a:off x="3159146" y="1538760"/>
+            <a:ext cx="1533600" cy="3322800"/>
           </a:xfrm>
           <a:prstGeom prst="rect">
             <a:avLst/>
           </a:prstGeom>
-          <a:noFill/>
-          <a:ln>
-            <a:noFill/>
-          </a:ln>
         </p:spPr>
       </p:pic>
       <p:pic>
         <p:nvPicPr>
-          <p:cNvPr id="23" name="图片 22">
+          <p:cNvPr id="7" name="图片 6" descr="图片包含 游戏机, 电子, 计算器&#10;&#10;描述已自动生成">
             <a:extLst>
               <a:ext uri="{FF2B5EF4-FFF2-40B4-BE49-F238E27FC236}">
-                <a16:creationId xmlns:a16="http://schemas.microsoft.com/office/drawing/2014/main" id="{B62B17A7-994C-4FDF-957C-151B3E1D3EE7}"/>
+                <a16:creationId xmlns:a16="http://schemas.microsoft.com/office/drawing/2014/main" id="{DD454034-4073-44D1-B8C7-70A6315042F6}"/>
               </a:ext>
             </a:extLst>
           </p:cNvPr>
-          <p:cNvPicPr/>
+          <p:cNvPicPr>
+            <a:picLocks noChangeAspect="1"/>
+          </p:cNvPicPr>
           <p:nvPr/>
         </p:nvPicPr>
         <p:blipFill>
@@ -12926,35 +13136,32 @@
               </a:ext>
             </a:extLst>
           </a:blip>
-          <a:srcRect/>
           <a:stretch>
             <a:fillRect/>
           </a:stretch>
         </p:blipFill>
-        <p:spPr bwMode="auto">
+        <p:spPr>
           <a:xfrm>
-            <a:off x="7122868" y="1539240"/>
-            <a:ext cx="1533525" cy="3322320"/>
+            <a:off x="5024799" y="1538760"/>
+            <a:ext cx="1533600" cy="3322800"/>
           </a:xfrm>
           <a:prstGeom prst="rect">
             <a:avLst/>
           </a:prstGeom>
-          <a:noFill/>
-          <a:ln>
-            <a:noFill/>
-          </a:ln>
         </p:spPr>
       </p:pic>
       <p:pic>
         <p:nvPicPr>
-          <p:cNvPr id="24" name="图片 23">
+          <p:cNvPr id="10" name="图片 9" descr="手机屏幕截图&#10;&#10;描述已自动生成">
             <a:extLst>
               <a:ext uri="{FF2B5EF4-FFF2-40B4-BE49-F238E27FC236}">
-                <a16:creationId xmlns:a16="http://schemas.microsoft.com/office/drawing/2014/main" id="{A6AA676C-1DDD-46A5-B352-1829F4CE4600}"/>
+                <a16:creationId xmlns:a16="http://schemas.microsoft.com/office/drawing/2014/main" id="{46376D2A-9AB6-4675-8E76-5E4F95FBF3D9}"/>
               </a:ext>
             </a:extLst>
           </p:cNvPr>
-          <p:cNvPicPr/>
+          <p:cNvPicPr>
+            <a:picLocks noChangeAspect="1"/>
+          </p:cNvPicPr>
           <p:nvPr/>
         </p:nvPicPr>
         <p:blipFill>
@@ -12965,29 +13172,24 @@
               </a:ext>
             </a:extLst>
           </a:blip>
-          <a:srcRect/>
           <a:stretch>
             <a:fillRect/>
           </a:stretch>
         </p:blipFill>
-        <p:spPr bwMode="auto">
+        <p:spPr>
           <a:xfrm>
-            <a:off x="9166347" y="1539240"/>
-            <a:ext cx="1533525" cy="3322320"/>
+            <a:off x="8877040" y="1538760"/>
+            <a:ext cx="1533600" cy="3322800"/>
           </a:xfrm>
           <a:prstGeom prst="rect">
             <a:avLst/>
           </a:prstGeom>
-          <a:noFill/>
-          <a:ln>
-            <a:noFill/>
-          </a:ln>
         </p:spPr>
       </p:pic>
     </p:spTree>
     <p:extLst>
       <p:ext uri="{BB962C8B-B14F-4D97-AF65-F5344CB8AC3E}">
-        <p14:creationId xmlns:p14="http://schemas.microsoft.com/office/powerpoint/2010/main" val="3347999190"/>
+        <p14:creationId xmlns:p14="http://schemas.microsoft.com/office/powerpoint/2010/main" val="3678186445"/>
       </p:ext>
     </p:extLst>
   </p:cSld>
@@ -13114,10 +13316,10 @@
       </p:sp>
       <p:pic>
         <p:nvPicPr>
-          <p:cNvPr id="9" name="图片 8">
+          <p:cNvPr id="21" name="图片 20">
             <a:extLst>
               <a:ext uri="{FF2B5EF4-FFF2-40B4-BE49-F238E27FC236}">
-                <a16:creationId xmlns:a16="http://schemas.microsoft.com/office/drawing/2014/main" id="{F5392C2A-718D-4ECC-B8A1-6FB59C8A286E}"/>
+                <a16:creationId xmlns:a16="http://schemas.microsoft.com/office/drawing/2014/main" id="{3A75A8C6-1589-4550-B656-D86F6818BE7E}"/>
               </a:ext>
             </a:extLst>
           </p:cNvPr>
@@ -13132,26 +13334,31 @@
               </a:ext>
             </a:extLst>
           </a:blip>
+          <a:srcRect/>
           <a:stretch>
             <a:fillRect/>
           </a:stretch>
         </p:blipFill>
-        <p:spPr>
+        <p:spPr bwMode="auto">
           <a:xfrm>
-            <a:off x="1193189" y="1539240"/>
+            <a:off x="2322268" y="1488440"/>
             <a:ext cx="1533525" cy="3322320"/>
           </a:xfrm>
           <a:prstGeom prst="rect">
             <a:avLst/>
           </a:prstGeom>
+          <a:noFill/>
+          <a:ln>
+            <a:noFill/>
+          </a:ln>
         </p:spPr>
       </p:pic>
       <p:pic>
         <p:nvPicPr>
-          <p:cNvPr id="10" name="图片 9">
+          <p:cNvPr id="22" name="图片 21">
             <a:extLst>
               <a:ext uri="{FF2B5EF4-FFF2-40B4-BE49-F238E27FC236}">
-                <a16:creationId xmlns:a16="http://schemas.microsoft.com/office/drawing/2014/main" id="{6DF4A999-8110-4282-970C-B219FA893A34}"/>
+                <a16:creationId xmlns:a16="http://schemas.microsoft.com/office/drawing/2014/main" id="{BDE992F7-3734-40BF-A70F-C4F1FEC8D74A}"/>
               </a:ext>
             </a:extLst>
           </p:cNvPr>
@@ -13173,7 +13380,7 @@
         </p:blipFill>
         <p:spPr bwMode="auto">
           <a:xfrm>
-            <a:off x="3227876" y="1539240"/>
+            <a:off x="4265368" y="1488440"/>
             <a:ext cx="1533525" cy="3322320"/>
           </a:xfrm>
           <a:prstGeom prst="rect">
@@ -13187,10 +13394,10 @@
       </p:pic>
       <p:pic>
         <p:nvPicPr>
-          <p:cNvPr id="11" name="图片 10">
+          <p:cNvPr id="23" name="图片 22">
             <a:extLst>
               <a:ext uri="{FF2B5EF4-FFF2-40B4-BE49-F238E27FC236}">
-                <a16:creationId xmlns:a16="http://schemas.microsoft.com/office/drawing/2014/main" id="{6148ABD0-FB30-49BC-AF1A-76059F3E5C27}"/>
+                <a16:creationId xmlns:a16="http://schemas.microsoft.com/office/drawing/2014/main" id="{B62B17A7-994C-4FDF-957C-151B3E1D3EE7}"/>
               </a:ext>
             </a:extLst>
           </p:cNvPr>
@@ -13205,26 +13412,31 @@
               </a:ext>
             </a:extLst>
           </a:blip>
+          <a:srcRect/>
           <a:stretch>
             <a:fillRect/>
           </a:stretch>
         </p:blipFill>
-        <p:spPr>
+        <p:spPr bwMode="auto">
           <a:xfrm>
-            <a:off x="5320788" y="1539240"/>
+            <a:off x="6208468" y="1488440"/>
             <a:ext cx="1533525" cy="3322320"/>
           </a:xfrm>
           <a:prstGeom prst="rect">
             <a:avLst/>
           </a:prstGeom>
+          <a:noFill/>
+          <a:ln>
+            <a:noFill/>
+          </a:ln>
         </p:spPr>
       </p:pic>
       <p:pic>
         <p:nvPicPr>
-          <p:cNvPr id="12" name="图片 11">
+          <p:cNvPr id="24" name="图片 23">
             <a:extLst>
               <a:ext uri="{FF2B5EF4-FFF2-40B4-BE49-F238E27FC236}">
-                <a16:creationId xmlns:a16="http://schemas.microsoft.com/office/drawing/2014/main" id="{43CDFB96-E125-4D0F-95DF-F43D6D46C6F1}"/>
+                <a16:creationId xmlns:a16="http://schemas.microsoft.com/office/drawing/2014/main" id="{A6AA676C-1DDD-46A5-B352-1829F4CE4600}"/>
               </a:ext>
             </a:extLst>
           </p:cNvPr>
@@ -13239,24 +13451,29 @@
               </a:ext>
             </a:extLst>
           </a:blip>
+          <a:srcRect/>
           <a:stretch>
             <a:fillRect/>
           </a:stretch>
         </p:blipFill>
-        <p:spPr>
+        <p:spPr bwMode="auto">
           <a:xfrm>
-            <a:off x="7500937" y="1539240"/>
+            <a:off x="8251947" y="1488440"/>
             <a:ext cx="1533525" cy="3322320"/>
           </a:xfrm>
           <a:prstGeom prst="rect">
             <a:avLst/>
           </a:prstGeom>
+          <a:noFill/>
+          <a:ln>
+            <a:noFill/>
+          </a:ln>
         </p:spPr>
       </p:pic>
     </p:spTree>
     <p:extLst>
       <p:ext uri="{BB962C8B-B14F-4D97-AF65-F5344CB8AC3E}">
-        <p14:creationId xmlns:p14="http://schemas.microsoft.com/office/powerpoint/2010/main" val="1448369522"/>
+        <p14:creationId xmlns:p14="http://schemas.microsoft.com/office/powerpoint/2010/main" val="3347999190"/>
       </p:ext>
     </p:extLst>
   </p:cSld>
@@ -17019,6 +17236,275 @@
 </file>
 
 <file path=ppt/slides/slide20.xml><?xml version="1.0" encoding="utf-8"?>
+<p:sld xmlns:a="http://schemas.openxmlformats.org/drawingml/2006/main" xmlns:r="http://schemas.openxmlformats.org/officeDocument/2006/relationships" xmlns:p="http://schemas.openxmlformats.org/presentationml/2006/main">
+  <p:cSld>
+    <p:spTree>
+      <p:nvGrpSpPr>
+        <p:cNvPr id="1" name=""/>
+        <p:cNvGrpSpPr/>
+        <p:nvPr/>
+      </p:nvGrpSpPr>
+      <p:grpSpPr>
+        <a:xfrm>
+          <a:off x="0" y="0"/>
+          <a:ext cx="0" cy="0"/>
+          <a:chOff x="0" y="0"/>
+          <a:chExt cx="0" cy="0"/>
+        </a:xfrm>
+      </p:grpSpPr>
+      <p:sp>
+        <p:nvSpPr>
+          <p:cNvPr id="8" name="TextBox 7"/>
+          <p:cNvSpPr txBox="1"/>
+          <p:nvPr/>
+        </p:nvSpPr>
+        <p:spPr>
+          <a:xfrm>
+            <a:off x="5320788" y="336015"/>
+            <a:ext cx="1550424" cy="502766"/>
+          </a:xfrm>
+          <a:prstGeom prst="rect">
+            <a:avLst/>
+          </a:prstGeom>
+          <a:noFill/>
+        </p:spPr>
+        <p:txBody>
+          <a:bodyPr wrap="none" rtlCol="0">
+            <a:spAutoFit/>
+          </a:bodyPr>
+          <a:lstStyle/>
+          <a:p>
+            <a:r>
+              <a:rPr lang="zh-CN" altLang="en-US" sz="2667" dirty="0">
+                <a:solidFill>
+                  <a:srgbClr val="304860"/>
+                </a:solidFill>
+                <a:latin typeface="微软雅黑" pitchFamily="34" charset="-122"/>
+                <a:ea typeface="微软雅黑" pitchFamily="34" charset="-122"/>
+              </a:rPr>
+              <a:t>成果展示</a:t>
+            </a:r>
+          </a:p>
+        </p:txBody>
+      </p:sp>
+      <p:sp>
+        <p:nvSpPr>
+          <p:cNvPr id="20" name="Text Box 2"/>
+          <p:cNvSpPr txBox="1">
+            <a:spLocks noChangeArrowheads="1"/>
+          </p:cNvSpPr>
+          <p:nvPr/>
+        </p:nvSpPr>
+        <p:spPr bwMode="auto">
+          <a:xfrm>
+            <a:off x="9691565" y="7077405"/>
+            <a:ext cx="2527807" cy="379656"/>
+          </a:xfrm>
+          <a:prstGeom prst="rect">
+            <a:avLst/>
+          </a:prstGeom>
+          <a:noFill/>
+          <a:ln w="9525">
+            <a:noFill/>
+            <a:miter lim="800000"/>
+            <a:headEnd/>
+            <a:tailEnd/>
+          </a:ln>
+        </p:spPr>
+        <p:txBody>
+          <a:bodyPr wrap="square">
+            <a:spAutoFit/>
+          </a:bodyPr>
+          <a:lstStyle/>
+          <a:p>
+            <a:pPr algn="ctr"/>
+            <a:r>
+              <a:rPr lang="zh-CN" altLang="en-US" sz="1867" dirty="0">
+                <a:solidFill>
+                  <a:srgbClr val="00AEEE"/>
+                </a:solidFill>
+                <a:latin typeface="微软雅黑" pitchFamily="34" charset="-122"/>
+                <a:ea typeface="微软雅黑" pitchFamily="34" charset="-122"/>
+              </a:rPr>
+              <a:t>延迟符号</a:t>
+            </a:r>
+            <a:endParaRPr lang="nl-NL" altLang="zh-CN" sz="1867" dirty="0">
+              <a:solidFill>
+                <a:srgbClr val="00AEEE"/>
+              </a:solidFill>
+              <a:latin typeface="微软雅黑" pitchFamily="34" charset="-122"/>
+              <a:ea typeface="微软雅黑" pitchFamily="34" charset="-122"/>
+            </a:endParaRPr>
+          </a:p>
+        </p:txBody>
+      </p:sp>
+      <p:pic>
+        <p:nvPicPr>
+          <p:cNvPr id="9" name="图片 8">
+            <a:extLst>
+              <a:ext uri="{FF2B5EF4-FFF2-40B4-BE49-F238E27FC236}">
+                <a16:creationId xmlns:a16="http://schemas.microsoft.com/office/drawing/2014/main" id="{F5392C2A-718D-4ECC-B8A1-6FB59C8A286E}"/>
+              </a:ext>
+            </a:extLst>
+          </p:cNvPr>
+          <p:cNvPicPr/>
+          <p:nvPr/>
+        </p:nvPicPr>
+        <p:blipFill>
+          <a:blip r:embed="rId3" cstate="print">
+            <a:extLst>
+              <a:ext uri="{28A0092B-C50C-407E-A947-70E740481C1C}">
+                <a14:useLocalDpi xmlns:a14="http://schemas.microsoft.com/office/drawing/2010/main" val="0"/>
+              </a:ext>
+            </a:extLst>
+          </a:blip>
+          <a:stretch>
+            <a:fillRect/>
+          </a:stretch>
+        </p:blipFill>
+        <p:spPr>
+          <a:xfrm>
+            <a:off x="2148229" y="1640840"/>
+            <a:ext cx="1533525" cy="3322320"/>
+          </a:xfrm>
+          <a:prstGeom prst="rect">
+            <a:avLst/>
+          </a:prstGeom>
+        </p:spPr>
+      </p:pic>
+      <p:pic>
+        <p:nvPicPr>
+          <p:cNvPr id="10" name="图片 9">
+            <a:extLst>
+              <a:ext uri="{FF2B5EF4-FFF2-40B4-BE49-F238E27FC236}">
+                <a16:creationId xmlns:a16="http://schemas.microsoft.com/office/drawing/2014/main" id="{6DF4A999-8110-4282-970C-B219FA893A34}"/>
+              </a:ext>
+            </a:extLst>
+          </p:cNvPr>
+          <p:cNvPicPr/>
+          <p:nvPr/>
+        </p:nvPicPr>
+        <p:blipFill>
+          <a:blip r:embed="rId4" cstate="print">
+            <a:extLst>
+              <a:ext uri="{28A0092B-C50C-407E-A947-70E740481C1C}">
+                <a14:useLocalDpi xmlns:a14="http://schemas.microsoft.com/office/drawing/2010/main" val="0"/>
+              </a:ext>
+            </a:extLst>
+          </a:blip>
+          <a:srcRect/>
+          <a:stretch>
+            <a:fillRect/>
+          </a:stretch>
+        </p:blipFill>
+        <p:spPr bwMode="auto">
+          <a:xfrm>
+            <a:off x="4182916" y="1640840"/>
+            <a:ext cx="1533525" cy="3322320"/>
+          </a:xfrm>
+          <a:prstGeom prst="rect">
+            <a:avLst/>
+          </a:prstGeom>
+          <a:noFill/>
+          <a:ln>
+            <a:noFill/>
+          </a:ln>
+        </p:spPr>
+      </p:pic>
+      <p:pic>
+        <p:nvPicPr>
+          <p:cNvPr id="11" name="图片 10">
+            <a:extLst>
+              <a:ext uri="{FF2B5EF4-FFF2-40B4-BE49-F238E27FC236}">
+                <a16:creationId xmlns:a16="http://schemas.microsoft.com/office/drawing/2014/main" id="{6148ABD0-FB30-49BC-AF1A-76059F3E5C27}"/>
+              </a:ext>
+            </a:extLst>
+          </p:cNvPr>
+          <p:cNvPicPr/>
+          <p:nvPr/>
+        </p:nvPicPr>
+        <p:blipFill>
+          <a:blip r:embed="rId5" cstate="print">
+            <a:extLst>
+              <a:ext uri="{28A0092B-C50C-407E-A947-70E740481C1C}">
+                <a14:useLocalDpi xmlns:a14="http://schemas.microsoft.com/office/drawing/2010/main" val="0"/>
+              </a:ext>
+            </a:extLst>
+          </a:blip>
+          <a:stretch>
+            <a:fillRect/>
+          </a:stretch>
+        </p:blipFill>
+        <p:spPr>
+          <a:xfrm>
+            <a:off x="6275828" y="1640840"/>
+            <a:ext cx="1533525" cy="3322320"/>
+          </a:xfrm>
+          <a:prstGeom prst="rect">
+            <a:avLst/>
+          </a:prstGeom>
+        </p:spPr>
+      </p:pic>
+      <p:pic>
+        <p:nvPicPr>
+          <p:cNvPr id="12" name="图片 11">
+            <a:extLst>
+              <a:ext uri="{FF2B5EF4-FFF2-40B4-BE49-F238E27FC236}">
+                <a16:creationId xmlns:a16="http://schemas.microsoft.com/office/drawing/2014/main" id="{43CDFB96-E125-4D0F-95DF-F43D6D46C6F1}"/>
+              </a:ext>
+            </a:extLst>
+          </p:cNvPr>
+          <p:cNvPicPr/>
+          <p:nvPr/>
+        </p:nvPicPr>
+        <p:blipFill>
+          <a:blip r:embed="rId6" cstate="print">
+            <a:extLst>
+              <a:ext uri="{28A0092B-C50C-407E-A947-70E740481C1C}">
+                <a14:useLocalDpi xmlns:a14="http://schemas.microsoft.com/office/drawing/2010/main" val="0"/>
+              </a:ext>
+            </a:extLst>
+          </a:blip>
+          <a:stretch>
+            <a:fillRect/>
+          </a:stretch>
+        </p:blipFill>
+        <p:spPr>
+          <a:xfrm>
+            <a:off x="8455977" y="1640840"/>
+            <a:ext cx="1533525" cy="3322320"/>
+          </a:xfrm>
+          <a:prstGeom prst="rect">
+            <a:avLst/>
+          </a:prstGeom>
+        </p:spPr>
+      </p:pic>
+    </p:spTree>
+    <p:extLst>
+      <p:ext uri="{BB962C8B-B14F-4D97-AF65-F5344CB8AC3E}">
+        <p14:creationId xmlns:p14="http://schemas.microsoft.com/office/powerpoint/2010/main" val="1448369522"/>
+      </p:ext>
+    </p:extLst>
+  </p:cSld>
+  <p:clrMapOvr>
+    <a:masterClrMapping/>
+  </p:clrMapOvr>
+  <mc:AlternateContent xmlns:mc="http://schemas.openxmlformats.org/markup-compatibility/2006" xmlns:p15="http://schemas.microsoft.com/office/powerpoint/2012/main">
+    <mc:Choice Requires="p15">
+      <p:transition xmlns:p14="http://schemas.microsoft.com/office/powerpoint/2010/main" spd="slow" p14:dur="1250">
+        <p15:prstTrans prst="peelOff"/>
+      </p:transition>
+    </mc:Choice>
+    <mc:Fallback xmlns="">
+      <p:transition spd="slow">
+        <p:fade/>
+      </p:transition>
+    </mc:Fallback>
+  </mc:AlternateContent>
+</p:sld>
+</file>
+
+<file path=ppt/slides/slide21.xml><?xml version="1.0" encoding="utf-8"?>
 <p:sld xmlns:a="http://schemas.openxmlformats.org/drawingml/2006/main" xmlns:r="http://schemas.openxmlformats.org/officeDocument/2006/relationships" xmlns:p="http://schemas.openxmlformats.org/presentationml/2006/main">
   <p:cSld>
     <p:spTree>
@@ -17844,7 +18330,7 @@
 </p:sld>
 </file>
 
-<file path=ppt/slides/slide21.xml><?xml version="1.0" encoding="utf-8"?>
+<file path=ppt/slides/slide22.xml><?xml version="1.0" encoding="utf-8"?>
 <p:sld xmlns:a="http://schemas.openxmlformats.org/drawingml/2006/main" xmlns:r="http://schemas.openxmlformats.org/officeDocument/2006/relationships" xmlns:p="http://schemas.openxmlformats.org/presentationml/2006/main">
   <p:cSld>
     <p:spTree>
@@ -18222,7 +18708,7 @@
 </p:sld>
 </file>
 
-<file path=ppt/slides/slide22.xml><?xml version="1.0" encoding="utf-8"?>
+<file path=ppt/slides/slide23.xml><?xml version="1.0" encoding="utf-8"?>
 <p:sld xmlns:a="http://schemas.openxmlformats.org/drawingml/2006/main" xmlns:r="http://schemas.openxmlformats.org/officeDocument/2006/relationships" xmlns:p="http://schemas.openxmlformats.org/presentationml/2006/main">
   <p:cSld>
     <p:spTree>
